--- a/第二章-Python程序设计基础-8学时/第3节-python库调用-2课时.pptx
+++ b/第二章-Python程序设计基础-8学时/第3节-python库调用-2课时.pptx
@@ -17595,7 +17595,7 @@
               </a:lnSpc>
             </a:pPr>
             <a:r>
-              <a:rPr lang="en-US" sz="2100">
+              <a:rPr lang="en-US" sz="2100" dirty="0" err="1">
                 <a:solidFill>
                   <a:schemeClr val="bg2"/>
                 </a:solidFill>
